--- a/Computer Networks/lab0/lab0-topology.pptx
+++ b/Computer Networks/lab0/lab0-topology.pptx
@@ -104,6 +104,11 @@
       </a:defRPr>
     </a:lvl9pPr>
   </p:defaultTextStyle>
+  <p:extLst>
+    <p:ext uri="{EFAFB233-063F-42B5-8137-9DF3F51BA10A}">
+      <p15:sldGuideLst xmlns:p15="http://schemas.microsoft.com/office/powerpoint/2012/main"/>
+    </p:ext>
+  </p:extLst>
 </p:presentation>
 </file>
 
@@ -254,7 +259,7 @@
           <a:p>
             <a:fld id="{44DF3B4D-2F3A-4F9E-BD21-2FA12590ACEE}" type="datetimeFigureOut">
               <a:rPr lang="ru-RU" smtClean="0"/>
-              <a:t>16.02.2024</a:t>
+              <a:t>18.03.2024</a:t>
             </a:fld>
             <a:endParaRPr lang="ru-RU"/>
           </a:p>
@@ -452,7 +457,7 @@
           <a:p>
             <a:fld id="{44DF3B4D-2F3A-4F9E-BD21-2FA12590ACEE}" type="datetimeFigureOut">
               <a:rPr lang="ru-RU" smtClean="0"/>
-              <a:t>16.02.2024</a:t>
+              <a:t>18.03.2024</a:t>
             </a:fld>
             <a:endParaRPr lang="ru-RU"/>
           </a:p>
@@ -660,7 +665,7 @@
           <a:p>
             <a:fld id="{44DF3B4D-2F3A-4F9E-BD21-2FA12590ACEE}" type="datetimeFigureOut">
               <a:rPr lang="ru-RU" smtClean="0"/>
-              <a:t>16.02.2024</a:t>
+              <a:t>18.03.2024</a:t>
             </a:fld>
             <a:endParaRPr lang="ru-RU"/>
           </a:p>
@@ -858,7 +863,7 @@
           <a:p>
             <a:fld id="{44DF3B4D-2F3A-4F9E-BD21-2FA12590ACEE}" type="datetimeFigureOut">
               <a:rPr lang="ru-RU" smtClean="0"/>
-              <a:t>16.02.2024</a:t>
+              <a:t>18.03.2024</a:t>
             </a:fld>
             <a:endParaRPr lang="ru-RU"/>
           </a:p>
@@ -1133,7 +1138,7 @@
           <a:p>
             <a:fld id="{44DF3B4D-2F3A-4F9E-BD21-2FA12590ACEE}" type="datetimeFigureOut">
               <a:rPr lang="ru-RU" smtClean="0"/>
-              <a:t>16.02.2024</a:t>
+              <a:t>18.03.2024</a:t>
             </a:fld>
             <a:endParaRPr lang="ru-RU"/>
           </a:p>
@@ -1398,7 +1403,7 @@
           <a:p>
             <a:fld id="{44DF3B4D-2F3A-4F9E-BD21-2FA12590ACEE}" type="datetimeFigureOut">
               <a:rPr lang="ru-RU" smtClean="0"/>
-              <a:t>16.02.2024</a:t>
+              <a:t>18.03.2024</a:t>
             </a:fld>
             <a:endParaRPr lang="ru-RU"/>
           </a:p>
@@ -1810,7 +1815,7 @@
           <a:p>
             <a:fld id="{44DF3B4D-2F3A-4F9E-BD21-2FA12590ACEE}" type="datetimeFigureOut">
               <a:rPr lang="ru-RU" smtClean="0"/>
-              <a:t>16.02.2024</a:t>
+              <a:t>18.03.2024</a:t>
             </a:fld>
             <a:endParaRPr lang="ru-RU"/>
           </a:p>
@@ -1951,7 +1956,7 @@
           <a:p>
             <a:fld id="{44DF3B4D-2F3A-4F9E-BD21-2FA12590ACEE}" type="datetimeFigureOut">
               <a:rPr lang="ru-RU" smtClean="0"/>
-              <a:t>16.02.2024</a:t>
+              <a:t>18.03.2024</a:t>
             </a:fld>
             <a:endParaRPr lang="ru-RU"/>
           </a:p>
@@ -2064,7 +2069,7 @@
           <a:p>
             <a:fld id="{44DF3B4D-2F3A-4F9E-BD21-2FA12590ACEE}" type="datetimeFigureOut">
               <a:rPr lang="ru-RU" smtClean="0"/>
-              <a:t>16.02.2024</a:t>
+              <a:t>18.03.2024</a:t>
             </a:fld>
             <a:endParaRPr lang="ru-RU"/>
           </a:p>
@@ -2375,7 +2380,7 @@
           <a:p>
             <a:fld id="{44DF3B4D-2F3A-4F9E-BD21-2FA12590ACEE}" type="datetimeFigureOut">
               <a:rPr lang="ru-RU" smtClean="0"/>
-              <a:t>16.02.2024</a:t>
+              <a:t>18.03.2024</a:t>
             </a:fld>
             <a:endParaRPr lang="ru-RU"/>
           </a:p>
@@ -2663,7 +2668,7 @@
           <a:p>
             <a:fld id="{44DF3B4D-2F3A-4F9E-BD21-2FA12590ACEE}" type="datetimeFigureOut">
               <a:rPr lang="ru-RU" smtClean="0"/>
-              <a:t>16.02.2024</a:t>
+              <a:t>18.03.2024</a:t>
             </a:fld>
             <a:endParaRPr lang="ru-RU"/>
           </a:p>
@@ -2904,7 +2909,7 @@
           <a:p>
             <a:fld id="{44DF3B4D-2F3A-4F9E-BD21-2FA12590ACEE}" type="datetimeFigureOut">
               <a:rPr lang="ru-RU" smtClean="0"/>
-              <a:t>16.02.2024</a:t>
+              <a:t>18.03.2024</a:t>
             </a:fld>
             <a:endParaRPr lang="ru-RU"/>
           </a:p>
@@ -3323,10 +3328,10 @@
       </p:grpSpPr>
       <p:sp>
         <p:nvSpPr>
-          <p:cNvPr id="2" name="Прямоугольник 1">
-            <a:extLst>
-              <a:ext uri="{FF2B5EF4-FFF2-40B4-BE49-F238E27FC236}">
-                <a16:creationId xmlns:a16="http://schemas.microsoft.com/office/drawing/2014/main" id="{E5A0981B-5EC0-0DC7-F3F0-7F60A04E9964}"/>
+          <p:cNvPr id="6" name="Прямоугольник 5">
+            <a:extLst>
+              <a:ext uri="{FF2B5EF4-FFF2-40B4-BE49-F238E27FC236}">
+                <a16:creationId xmlns:a16="http://schemas.microsoft.com/office/drawing/2014/main" id="{5CA14E64-BC7F-4000-2FF5-CFD120842139}"/>
               </a:ext>
             </a:extLst>
           </p:cNvPr>
@@ -3335,228 +3340,18 @@
         </p:nvSpPr>
         <p:spPr>
           <a:xfrm>
-            <a:off x="2141200" y="2606530"/>
-            <a:ext cx="2372630" cy="824567"/>
-          </a:xfrm>
-          <a:prstGeom prst="rect">
-            <a:avLst/>
-          </a:prstGeom>
-        </p:spPr>
-        <p:style>
-          <a:lnRef idx="2">
-            <a:schemeClr val="accent3">
-              <a:shade val="50000"/>
-            </a:schemeClr>
-          </a:lnRef>
-          <a:fillRef idx="1">
-            <a:schemeClr val="accent3"/>
-          </a:fillRef>
-          <a:effectRef idx="0">
-            <a:schemeClr val="accent3"/>
-          </a:effectRef>
-          <a:fontRef idx="minor">
-            <a:schemeClr val="lt1"/>
-          </a:fontRef>
-        </p:style>
-        <p:txBody>
-          <a:bodyPr rtlCol="0" anchor="ctr"/>
-          <a:lstStyle/>
-          <a:p>
-            <a:pPr algn="ctr"/>
-            <a:r>
-              <a:rPr lang="en-US" dirty="0">
-                <a:solidFill>
-                  <a:schemeClr val="tx1"/>
-                </a:solidFill>
-              </a:rPr>
-              <a:t>SRV1</a:t>
-            </a:r>
-          </a:p>
-        </p:txBody>
-      </p:sp>
-      <p:sp>
-        <p:nvSpPr>
-          <p:cNvPr id="3" name="Прямоугольник 2">
-            <a:extLst>
-              <a:ext uri="{FF2B5EF4-FFF2-40B4-BE49-F238E27FC236}">
-                <a16:creationId xmlns:a16="http://schemas.microsoft.com/office/drawing/2014/main" id="{397A0909-BDFD-8DBC-F7CC-CE312C381C03}"/>
-              </a:ext>
-            </a:extLst>
-          </p:cNvPr>
-          <p:cNvSpPr/>
-          <p:nvPr/>
-        </p:nvSpPr>
-        <p:spPr>
-          <a:xfrm>
-            <a:off x="2141199" y="4699584"/>
-            <a:ext cx="2372631" cy="824567"/>
-          </a:xfrm>
-          <a:prstGeom prst="rect">
-            <a:avLst/>
-          </a:prstGeom>
-        </p:spPr>
-        <p:style>
-          <a:lnRef idx="2">
-            <a:schemeClr val="accent3">
-              <a:shade val="50000"/>
-            </a:schemeClr>
-          </a:lnRef>
-          <a:fillRef idx="1">
-            <a:schemeClr val="accent3"/>
-          </a:fillRef>
-          <a:effectRef idx="0">
-            <a:schemeClr val="accent3"/>
-          </a:effectRef>
-          <a:fontRef idx="minor">
-            <a:schemeClr val="lt1"/>
-          </a:fontRef>
-        </p:style>
-        <p:txBody>
-          <a:bodyPr rtlCol="0" anchor="ctr"/>
-          <a:lstStyle/>
-          <a:p>
-            <a:pPr algn="ctr"/>
-            <a:r>
-              <a:rPr lang="en-US" dirty="0">
-                <a:solidFill>
-                  <a:schemeClr val="tx1"/>
-                </a:solidFill>
-              </a:rPr>
-              <a:t>SW1</a:t>
-            </a:r>
-            <a:endParaRPr lang="ru-RU" dirty="0"/>
-          </a:p>
-        </p:txBody>
-      </p:sp>
-      <p:sp>
-        <p:nvSpPr>
-          <p:cNvPr id="4" name="Прямоугольник 3">
-            <a:extLst>
-              <a:ext uri="{FF2B5EF4-FFF2-40B4-BE49-F238E27FC236}">
-                <a16:creationId xmlns:a16="http://schemas.microsoft.com/office/drawing/2014/main" id="{487128D6-C9D8-1A3E-974B-4277CD67D98C}"/>
-              </a:ext>
-            </a:extLst>
-          </p:cNvPr>
-          <p:cNvSpPr/>
-          <p:nvPr/>
-        </p:nvSpPr>
-        <p:spPr>
-          <a:xfrm>
-            <a:off x="7499331" y="2634279"/>
-            <a:ext cx="2266592" cy="796818"/>
-          </a:xfrm>
-          <a:prstGeom prst="rect">
-            <a:avLst/>
-          </a:prstGeom>
-        </p:spPr>
-        <p:style>
-          <a:lnRef idx="2">
-            <a:schemeClr val="accent3">
-              <a:shade val="50000"/>
-            </a:schemeClr>
-          </a:lnRef>
-          <a:fillRef idx="1">
-            <a:schemeClr val="accent3"/>
-          </a:fillRef>
-          <a:effectRef idx="0">
-            <a:schemeClr val="accent3"/>
-          </a:effectRef>
-          <a:fontRef idx="minor">
-            <a:schemeClr val="lt1"/>
-          </a:fontRef>
-        </p:style>
-        <p:txBody>
-          <a:bodyPr rtlCol="0" anchor="ctr"/>
-          <a:lstStyle/>
-          <a:p>
-            <a:pPr algn="ctr"/>
-            <a:r>
-              <a:rPr lang="en-US" dirty="0">
-                <a:solidFill>
-                  <a:schemeClr val="tx1"/>
-                </a:solidFill>
-              </a:rPr>
-              <a:t>SRV2</a:t>
-            </a:r>
-            <a:endParaRPr lang="ru-RU" dirty="0"/>
-          </a:p>
-        </p:txBody>
-      </p:sp>
-      <p:sp>
-        <p:nvSpPr>
-          <p:cNvPr id="5" name="Прямоугольник 4">
-            <a:extLst>
-              <a:ext uri="{FF2B5EF4-FFF2-40B4-BE49-F238E27FC236}">
-                <a16:creationId xmlns:a16="http://schemas.microsoft.com/office/drawing/2014/main" id="{E09BA7CA-FAB8-01F2-F50A-803D97204ED6}"/>
-              </a:ext>
-            </a:extLst>
-          </p:cNvPr>
-          <p:cNvSpPr/>
-          <p:nvPr/>
-        </p:nvSpPr>
-        <p:spPr>
-          <a:xfrm>
-            <a:off x="7499332" y="4750404"/>
-            <a:ext cx="2266592" cy="796818"/>
-          </a:xfrm>
-          <a:prstGeom prst="rect">
-            <a:avLst/>
-          </a:prstGeom>
-        </p:spPr>
-        <p:style>
-          <a:lnRef idx="2">
-            <a:schemeClr val="accent3">
-              <a:shade val="50000"/>
-            </a:schemeClr>
-          </a:lnRef>
-          <a:fillRef idx="1">
-            <a:schemeClr val="accent3"/>
-          </a:fillRef>
-          <a:effectRef idx="0">
-            <a:schemeClr val="accent3"/>
-          </a:effectRef>
-          <a:fontRef idx="minor">
-            <a:schemeClr val="lt1"/>
-          </a:fontRef>
-        </p:style>
-        <p:txBody>
-          <a:bodyPr rtlCol="0" anchor="ctr"/>
-          <a:lstStyle/>
-          <a:p>
-            <a:pPr algn="ctr"/>
-            <a:r>
-              <a:rPr lang="en-US" dirty="0">
-                <a:solidFill>
-                  <a:schemeClr val="tx1"/>
-                </a:solidFill>
-              </a:rPr>
-              <a:t>SW2</a:t>
-            </a:r>
-            <a:endParaRPr lang="ru-RU" dirty="0"/>
-          </a:p>
-        </p:txBody>
-      </p:sp>
-      <p:sp>
-        <p:nvSpPr>
-          <p:cNvPr id="6" name="Прямоугольник 5">
-            <a:extLst>
-              <a:ext uri="{FF2B5EF4-FFF2-40B4-BE49-F238E27FC236}">
-                <a16:creationId xmlns:a16="http://schemas.microsoft.com/office/drawing/2014/main" id="{5CA14E64-BC7F-4000-2FF5-CFD120842139}"/>
-              </a:ext>
-            </a:extLst>
-          </p:cNvPr>
-          <p:cNvSpPr/>
-          <p:nvPr/>
-        </p:nvSpPr>
-        <p:spPr>
-          <a:xfrm>
-            <a:off x="1567923" y="1820412"/>
-            <a:ext cx="3519182" cy="4622333"/>
+            <a:off x="2242688" y="1988996"/>
+            <a:ext cx="3519182" cy="4462943"/>
           </a:xfrm>
           <a:prstGeom prst="rect">
             <a:avLst/>
           </a:prstGeom>
           <a:noFill/>
+          <a:ln>
+            <a:solidFill>
+              <a:schemeClr val="tx1"/>
+            </a:solidFill>
+          </a:ln>
         </p:spPr>
         <p:style>
           <a:lnRef idx="2">
@@ -3597,13 +3392,18 @@
         </p:nvSpPr>
         <p:spPr>
           <a:xfrm>
-            <a:off x="6874779" y="1820412"/>
-            <a:ext cx="3519182" cy="4622332"/>
+            <a:off x="6516093" y="1988996"/>
+            <a:ext cx="3519182" cy="4462944"/>
           </a:xfrm>
           <a:prstGeom prst="rect">
             <a:avLst/>
           </a:prstGeom>
           <a:noFill/>
+          <a:ln>
+            <a:solidFill>
+              <a:schemeClr val="tx1"/>
+            </a:solidFill>
+          </a:ln>
         </p:spPr>
         <p:style>
           <a:lnRef idx="2">
@@ -3630,32 +3430,479 @@
           </a:p>
         </p:txBody>
       </p:sp>
+      <p:pic>
+        <p:nvPicPr>
+          <p:cNvPr id="9" name="Рисунок 8" descr="Ноутбук со сплошной заливкой">
+            <a:extLst>
+              <a:ext uri="{FF2B5EF4-FFF2-40B4-BE49-F238E27FC236}">
+                <a16:creationId xmlns:a16="http://schemas.microsoft.com/office/drawing/2014/main" id="{2205837C-634F-89D1-1E83-D347AB5730A0}"/>
+              </a:ext>
+            </a:extLst>
+          </p:cNvPr>
+          <p:cNvPicPr>
+            <a:picLocks noChangeAspect="1"/>
+          </p:cNvPicPr>
+          <p:nvPr/>
+        </p:nvPicPr>
+        <p:blipFill>
+          <a:blip r:embed="rId2">
+            <a:extLst>
+              <a:ext uri="{28A0092B-C50C-407E-A947-70E740481C1C}">
+                <a14:useLocalDpi xmlns:a14="http://schemas.microsoft.com/office/drawing/2010/main" val="0"/>
+              </a:ext>
+              <a:ext uri="{96DAC541-7B7A-43D3-8B79-37D633B846F1}">
+                <asvg:svgBlip xmlns:asvg="http://schemas.microsoft.com/office/drawing/2016/SVG/main" r:embed="rId3"/>
+              </a:ext>
+            </a:extLst>
+          </a:blip>
+          <a:stretch>
+            <a:fillRect/>
+          </a:stretch>
+        </p:blipFill>
+        <p:spPr>
+          <a:xfrm>
+            <a:off x="9120875" y="1074596"/>
+            <a:ext cx="914400" cy="914400"/>
+          </a:xfrm>
+          <a:prstGeom prst="rect">
+            <a:avLst/>
+          </a:prstGeom>
+        </p:spPr>
+      </p:pic>
+      <p:pic>
+        <p:nvPicPr>
+          <p:cNvPr id="11" name="Рисунок 10" descr="Компьютер со сплошной заливкой">
+            <a:extLst>
+              <a:ext uri="{FF2B5EF4-FFF2-40B4-BE49-F238E27FC236}">
+                <a16:creationId xmlns:a16="http://schemas.microsoft.com/office/drawing/2014/main" id="{B184640F-A4A8-AAA5-3039-39F13EC0498F}"/>
+              </a:ext>
+            </a:extLst>
+          </p:cNvPr>
+          <p:cNvPicPr>
+            <a:picLocks noChangeAspect="1"/>
+          </p:cNvPicPr>
+          <p:nvPr/>
+        </p:nvPicPr>
+        <p:blipFill>
+          <a:blip r:embed="rId4">
+            <a:extLst>
+              <a:ext uri="{28A0092B-C50C-407E-A947-70E740481C1C}">
+                <a14:useLocalDpi xmlns:a14="http://schemas.microsoft.com/office/drawing/2010/main" val="0"/>
+              </a:ext>
+              <a:ext uri="{96DAC541-7B7A-43D3-8B79-37D633B846F1}">
+                <asvg:svgBlip xmlns:asvg="http://schemas.microsoft.com/office/drawing/2016/SVG/main" r:embed="rId5"/>
+              </a:ext>
+            </a:extLst>
+          </a:blip>
+          <a:stretch>
+            <a:fillRect/>
+          </a:stretch>
+        </p:blipFill>
+        <p:spPr>
+          <a:xfrm>
+            <a:off x="2242688" y="1024906"/>
+            <a:ext cx="914400" cy="914400"/>
+          </a:xfrm>
+          <a:prstGeom prst="rect">
+            <a:avLst/>
+          </a:prstGeom>
+        </p:spPr>
+      </p:pic>
+      <p:pic>
+        <p:nvPicPr>
+          <p:cNvPr id="14" name="Рисунок 13" descr="База данных со сплошной заливкой">
+            <a:extLst>
+              <a:ext uri="{FF2B5EF4-FFF2-40B4-BE49-F238E27FC236}">
+                <a16:creationId xmlns:a16="http://schemas.microsoft.com/office/drawing/2014/main" id="{9C281DB6-975D-8E00-3287-CCF5DC1D3F8A}"/>
+              </a:ext>
+            </a:extLst>
+          </p:cNvPr>
+          <p:cNvPicPr>
+            <a:picLocks noChangeAspect="1"/>
+          </p:cNvPicPr>
+          <p:nvPr/>
+        </p:nvPicPr>
+        <p:blipFill>
+          <a:blip r:embed="rId6">
+            <a:extLst>
+              <a:ext uri="{28A0092B-C50C-407E-A947-70E740481C1C}">
+                <a14:useLocalDpi xmlns:a14="http://schemas.microsoft.com/office/drawing/2010/main" val="0"/>
+              </a:ext>
+              <a:ext uri="{96DAC541-7B7A-43D3-8B79-37D633B846F1}">
+                <asvg:svgBlip xmlns:asvg="http://schemas.microsoft.com/office/drawing/2016/SVG/main" r:embed="rId7"/>
+              </a:ext>
+            </a:extLst>
+          </a:blip>
+          <a:stretch>
+            <a:fillRect/>
+          </a:stretch>
+        </p:blipFill>
+        <p:spPr>
+          <a:xfrm>
+            <a:off x="6920349" y="2523796"/>
+            <a:ext cx="914400" cy="914400"/>
+          </a:xfrm>
+          <a:prstGeom prst="rect">
+            <a:avLst/>
+          </a:prstGeom>
+        </p:spPr>
+      </p:pic>
+      <p:pic>
+        <p:nvPicPr>
+          <p:cNvPr id="16" name="Рисунок 15" descr="База данных со сплошной заливкой">
+            <a:extLst>
+              <a:ext uri="{FF2B5EF4-FFF2-40B4-BE49-F238E27FC236}">
+                <a16:creationId xmlns:a16="http://schemas.microsoft.com/office/drawing/2014/main" id="{FCE09312-0ABB-FA25-31D9-7120FF79939D}"/>
+              </a:ext>
+            </a:extLst>
+          </p:cNvPr>
+          <p:cNvPicPr>
+            <a:picLocks noChangeAspect="1"/>
+          </p:cNvPicPr>
+          <p:nvPr/>
+        </p:nvPicPr>
+        <p:blipFill>
+          <a:blip r:embed="rId6">
+            <a:extLst>
+              <a:ext uri="{28A0092B-C50C-407E-A947-70E740481C1C}">
+                <a14:useLocalDpi xmlns:a14="http://schemas.microsoft.com/office/drawing/2010/main" val="0"/>
+              </a:ext>
+              <a:ext uri="{96DAC541-7B7A-43D3-8B79-37D633B846F1}">
+                <asvg:svgBlip xmlns:asvg="http://schemas.microsoft.com/office/drawing/2016/SVG/main" r:embed="rId7"/>
+              </a:ext>
+            </a:extLst>
+          </a:blip>
+          <a:stretch>
+            <a:fillRect/>
+          </a:stretch>
+        </p:blipFill>
+        <p:spPr>
+          <a:xfrm>
+            <a:off x="2655351" y="2523794"/>
+            <a:ext cx="914400" cy="914400"/>
+          </a:xfrm>
+          <a:prstGeom prst="rect">
+            <a:avLst/>
+          </a:prstGeom>
+        </p:spPr>
+      </p:pic>
+      <p:pic>
+        <p:nvPicPr>
+          <p:cNvPr id="18" name="Рисунок 17" descr="Монитор со сплошной заливкой">
+            <a:extLst>
+              <a:ext uri="{FF2B5EF4-FFF2-40B4-BE49-F238E27FC236}">
+                <a16:creationId xmlns:a16="http://schemas.microsoft.com/office/drawing/2014/main" id="{C5D2AC85-98C5-89CD-D926-EF29F728A69B}"/>
+              </a:ext>
+            </a:extLst>
+          </p:cNvPr>
+          <p:cNvPicPr>
+            <a:picLocks noChangeAspect="1"/>
+          </p:cNvPicPr>
+          <p:nvPr/>
+        </p:nvPicPr>
+        <p:blipFill>
+          <a:blip r:embed="rId8">
+            <a:extLst>
+              <a:ext uri="{28A0092B-C50C-407E-A947-70E740481C1C}">
+                <a14:useLocalDpi xmlns:a14="http://schemas.microsoft.com/office/drawing/2010/main" val="0"/>
+              </a:ext>
+              <a:ext uri="{96DAC541-7B7A-43D3-8B79-37D633B846F1}">
+                <asvg:svgBlip xmlns:asvg="http://schemas.microsoft.com/office/drawing/2016/SVG/main" r:embed="rId9"/>
+              </a:ext>
+            </a:extLst>
+          </a:blip>
+          <a:stretch>
+            <a:fillRect/>
+          </a:stretch>
+        </p:blipFill>
+        <p:spPr>
+          <a:xfrm>
+            <a:off x="2655351" y="4607170"/>
+            <a:ext cx="914400" cy="914400"/>
+          </a:xfrm>
+          <a:prstGeom prst="rect">
+            <a:avLst/>
+          </a:prstGeom>
+        </p:spPr>
+      </p:pic>
+      <p:pic>
+        <p:nvPicPr>
+          <p:cNvPr id="19" name="Рисунок 18" descr="Монитор со сплошной заливкой">
+            <a:extLst>
+              <a:ext uri="{FF2B5EF4-FFF2-40B4-BE49-F238E27FC236}">
+                <a16:creationId xmlns:a16="http://schemas.microsoft.com/office/drawing/2014/main" id="{B60C0A29-26AA-0086-E79D-8DA5A8A44553}"/>
+              </a:ext>
+            </a:extLst>
+          </p:cNvPr>
+          <p:cNvPicPr>
+            <a:picLocks noChangeAspect="1"/>
+          </p:cNvPicPr>
+          <p:nvPr/>
+        </p:nvPicPr>
+        <p:blipFill>
+          <a:blip r:embed="rId8">
+            <a:extLst>
+              <a:ext uri="{28A0092B-C50C-407E-A947-70E740481C1C}">
+                <a14:useLocalDpi xmlns:a14="http://schemas.microsoft.com/office/drawing/2010/main" val="0"/>
+              </a:ext>
+              <a:ext uri="{96DAC541-7B7A-43D3-8B79-37D633B846F1}">
+                <asvg:svgBlip xmlns:asvg="http://schemas.microsoft.com/office/drawing/2016/SVG/main" r:embed="rId9"/>
+              </a:ext>
+            </a:extLst>
+          </a:blip>
+          <a:stretch>
+            <a:fillRect/>
+          </a:stretch>
+        </p:blipFill>
+        <p:spPr>
+          <a:xfrm>
+            <a:off x="6921646" y="4653796"/>
+            <a:ext cx="914400" cy="914400"/>
+          </a:xfrm>
+          <a:prstGeom prst="rect">
+            <a:avLst/>
+          </a:prstGeom>
+        </p:spPr>
+      </p:pic>
+      <p:sp>
+        <p:nvSpPr>
+          <p:cNvPr id="26" name="TextBox 25">
+            <a:extLst>
+              <a:ext uri="{FF2B5EF4-FFF2-40B4-BE49-F238E27FC236}">
+                <a16:creationId xmlns:a16="http://schemas.microsoft.com/office/drawing/2014/main" id="{3B3A96DF-24C0-6E04-3BC2-08ECC3A48C29}"/>
+              </a:ext>
+            </a:extLst>
+          </p:cNvPr>
+          <p:cNvSpPr txBox="1"/>
+          <p:nvPr/>
+        </p:nvSpPr>
+        <p:spPr>
+          <a:xfrm>
+            <a:off x="2782122" y="3418834"/>
+            <a:ext cx="660822" cy="369332"/>
+          </a:xfrm>
+          <a:prstGeom prst="rect">
+            <a:avLst/>
+          </a:prstGeom>
+          <a:noFill/>
+        </p:spPr>
+        <p:txBody>
+          <a:bodyPr wrap="none" rtlCol="0">
+            <a:spAutoFit/>
+          </a:bodyPr>
+          <a:lstStyle/>
+          <a:p>
+            <a:r>
+              <a:rPr lang="en-US" dirty="0"/>
+              <a:t>SRV1</a:t>
+            </a:r>
+          </a:p>
+        </p:txBody>
+      </p:sp>
+      <p:sp>
+        <p:nvSpPr>
+          <p:cNvPr id="27" name="TextBox 26">
+            <a:extLst>
+              <a:ext uri="{FF2B5EF4-FFF2-40B4-BE49-F238E27FC236}">
+                <a16:creationId xmlns:a16="http://schemas.microsoft.com/office/drawing/2014/main" id="{3C57E88D-4B4E-31D5-F3FC-1CC499089DB9}"/>
+              </a:ext>
+            </a:extLst>
+          </p:cNvPr>
+          <p:cNvSpPr txBox="1"/>
+          <p:nvPr/>
+        </p:nvSpPr>
+        <p:spPr>
+          <a:xfrm>
+            <a:off x="2806794" y="5521570"/>
+            <a:ext cx="611514" cy="369332"/>
+          </a:xfrm>
+          <a:prstGeom prst="rect">
+            <a:avLst/>
+          </a:prstGeom>
+          <a:noFill/>
+        </p:spPr>
+        <p:txBody>
+          <a:bodyPr wrap="none" rtlCol="0">
+            <a:spAutoFit/>
+          </a:bodyPr>
+          <a:lstStyle/>
+          <a:p>
+            <a:r>
+              <a:rPr lang="en-US" dirty="0"/>
+              <a:t>WS1</a:t>
+            </a:r>
+          </a:p>
+        </p:txBody>
+      </p:sp>
+      <p:sp>
+        <p:nvSpPr>
+          <p:cNvPr id="28" name="TextBox 27">
+            <a:extLst>
+              <a:ext uri="{FF2B5EF4-FFF2-40B4-BE49-F238E27FC236}">
+                <a16:creationId xmlns:a16="http://schemas.microsoft.com/office/drawing/2014/main" id="{4E0A234C-8DDF-B597-A08D-DCF03EC4A7C3}"/>
+              </a:ext>
+            </a:extLst>
+          </p:cNvPr>
+          <p:cNvSpPr txBox="1"/>
+          <p:nvPr/>
+        </p:nvSpPr>
+        <p:spPr>
+          <a:xfrm>
+            <a:off x="7047138" y="3438196"/>
+            <a:ext cx="660822" cy="369332"/>
+          </a:xfrm>
+          <a:prstGeom prst="rect">
+            <a:avLst/>
+          </a:prstGeom>
+          <a:noFill/>
+        </p:spPr>
+        <p:txBody>
+          <a:bodyPr wrap="none" rtlCol="0">
+            <a:spAutoFit/>
+          </a:bodyPr>
+          <a:lstStyle/>
+          <a:p>
+            <a:r>
+              <a:rPr lang="en-US" dirty="0"/>
+              <a:t>SRV2</a:t>
+            </a:r>
+          </a:p>
+        </p:txBody>
+      </p:sp>
+      <p:sp>
+        <p:nvSpPr>
+          <p:cNvPr id="29" name="TextBox 28">
+            <a:extLst>
+              <a:ext uri="{FF2B5EF4-FFF2-40B4-BE49-F238E27FC236}">
+                <a16:creationId xmlns:a16="http://schemas.microsoft.com/office/drawing/2014/main" id="{9509C347-CF9E-86C8-637E-05A32AE2405C}"/>
+              </a:ext>
+            </a:extLst>
+          </p:cNvPr>
+          <p:cNvSpPr txBox="1"/>
+          <p:nvPr/>
+        </p:nvSpPr>
+        <p:spPr>
+          <a:xfrm>
+            <a:off x="7114080" y="5568196"/>
+            <a:ext cx="611514" cy="369332"/>
+          </a:xfrm>
+          <a:prstGeom prst="rect">
+            <a:avLst/>
+          </a:prstGeom>
+          <a:noFill/>
+        </p:spPr>
+        <p:txBody>
+          <a:bodyPr wrap="none" rtlCol="0">
+            <a:spAutoFit/>
+          </a:bodyPr>
+          <a:lstStyle/>
+          <a:p>
+            <a:r>
+              <a:rPr lang="en-US" dirty="0"/>
+              <a:t>WS2</a:t>
+            </a:r>
+          </a:p>
+        </p:txBody>
+      </p:sp>
+      <p:sp>
+        <p:nvSpPr>
+          <p:cNvPr id="47" name="TextBox 46">
+            <a:extLst>
+              <a:ext uri="{FF2B5EF4-FFF2-40B4-BE49-F238E27FC236}">
+                <a16:creationId xmlns:a16="http://schemas.microsoft.com/office/drawing/2014/main" id="{3E5F12A7-06C4-6900-9BA9-F0C30D5ACD88}"/>
+              </a:ext>
+            </a:extLst>
+          </p:cNvPr>
+          <p:cNvSpPr txBox="1"/>
+          <p:nvPr/>
+        </p:nvSpPr>
+        <p:spPr>
+          <a:xfrm>
+            <a:off x="4563984" y="4026158"/>
+            <a:ext cx="1149033" cy="307777"/>
+          </a:xfrm>
+          <a:prstGeom prst="rect">
+            <a:avLst/>
+          </a:prstGeom>
+          <a:noFill/>
+        </p:spPr>
+        <p:txBody>
+          <a:bodyPr wrap="none" rtlCol="0">
+            <a:spAutoFit/>
+          </a:bodyPr>
+          <a:lstStyle/>
+          <a:p>
+            <a:r>
+              <a:rPr lang="en-US" sz="1400" i="1" dirty="0"/>
+              <a:t>NAT Network</a:t>
+            </a:r>
+            <a:endParaRPr lang="ru-RU" sz="1400" i="1" dirty="0"/>
+          </a:p>
+        </p:txBody>
+      </p:sp>
+      <p:sp>
+        <p:nvSpPr>
+          <p:cNvPr id="48" name="TextBox 47">
+            <a:extLst>
+              <a:ext uri="{FF2B5EF4-FFF2-40B4-BE49-F238E27FC236}">
+                <a16:creationId xmlns:a16="http://schemas.microsoft.com/office/drawing/2014/main" id="{BF995C44-6A73-ABC5-CBA7-CCE638F7AFD7}"/>
+              </a:ext>
+            </a:extLst>
+          </p:cNvPr>
+          <p:cNvSpPr txBox="1"/>
+          <p:nvPr/>
+        </p:nvSpPr>
+        <p:spPr>
+          <a:xfrm>
+            <a:off x="8886242" y="4026160"/>
+            <a:ext cx="1149033" cy="307777"/>
+          </a:xfrm>
+          <a:prstGeom prst="rect">
+            <a:avLst/>
+          </a:prstGeom>
+          <a:noFill/>
+        </p:spPr>
+        <p:txBody>
+          <a:bodyPr wrap="none" rtlCol="0">
+            <a:spAutoFit/>
+          </a:bodyPr>
+          <a:lstStyle/>
+          <a:p>
+            <a:r>
+              <a:rPr lang="en-US" sz="1400" i="1" dirty="0"/>
+              <a:t>NAT Network</a:t>
+            </a:r>
+            <a:endParaRPr lang="ru-RU" sz="1400" i="1" dirty="0"/>
+          </a:p>
+        </p:txBody>
+      </p:sp>
       <p:cxnSp>
         <p:nvCxnSpPr>
-          <p:cNvPr id="13" name="Соединитель: уступ 12">
-            <a:extLst>
-              <a:ext uri="{FF2B5EF4-FFF2-40B4-BE49-F238E27FC236}">
-                <a16:creationId xmlns:a16="http://schemas.microsoft.com/office/drawing/2014/main" id="{E505591F-CAEB-A942-AE9E-B8D6B66582E6}"/>
+          <p:cNvPr id="50" name="Прямая соединительная линия 49">
+            <a:extLst>
+              <a:ext uri="{FF2B5EF4-FFF2-40B4-BE49-F238E27FC236}">
+                <a16:creationId xmlns:a16="http://schemas.microsoft.com/office/drawing/2014/main" id="{6F0C7194-475D-7C50-2C15-2177B048AFCD}"/>
               </a:ext>
             </a:extLst>
           </p:cNvPr>
           <p:cNvCxnSpPr>
             <a:cxnSpLocks/>
-            <a:stCxn id="2" idx="3"/>
-            <a:endCxn id="3" idx="3"/>
           </p:cNvCxnSpPr>
           <p:nvPr/>
         </p:nvCxnSpPr>
         <p:spPr>
           <a:xfrm>
-            <a:off x="4513830" y="3018814"/>
-            <a:ext cx="12700" cy="2093054"/>
-          </a:xfrm>
-          <a:prstGeom prst="bentConnector3">
-            <a:avLst>
-              <a:gd name="adj1" fmla="val 1800000"/>
-            </a:avLst>
+            <a:off x="3943539" y="3249100"/>
+            <a:ext cx="625509" cy="0"/>
+          </a:xfrm>
+          <a:prstGeom prst="line">
+            <a:avLst/>
           </a:prstGeom>
+          <a:ln>
+            <a:solidFill>
+              <a:schemeClr val="tx1"/>
+            </a:solidFill>
+          </a:ln>
         </p:spPr>
         <p:style>
           <a:lnRef idx="1">
@@ -3674,30 +3921,1560 @@
       </p:cxnSp>
       <p:cxnSp>
         <p:nvCxnSpPr>
-          <p:cNvPr id="17" name="Соединитель: уступ 16">
-            <a:extLst>
-              <a:ext uri="{FF2B5EF4-FFF2-40B4-BE49-F238E27FC236}">
-                <a16:creationId xmlns:a16="http://schemas.microsoft.com/office/drawing/2014/main" id="{4BC1973F-E525-BE43-828E-ED1CE328B932}"/>
+          <p:cNvPr id="53" name="Прямая соединительная линия 52">
+            <a:extLst>
+              <a:ext uri="{FF2B5EF4-FFF2-40B4-BE49-F238E27FC236}">
+                <a16:creationId xmlns:a16="http://schemas.microsoft.com/office/drawing/2014/main" id="{DEB07CA1-91F2-DC8B-3BCE-850DBFBA3729}"/>
               </a:ext>
             </a:extLst>
           </p:cNvPr>
           <p:cNvCxnSpPr>
             <a:cxnSpLocks/>
-            <a:stCxn id="4" idx="3"/>
-            <a:endCxn id="5" idx="3"/>
           </p:cNvCxnSpPr>
           <p:nvPr/>
         </p:nvCxnSpPr>
         <p:spPr>
           <a:xfrm>
-            <a:off x="9765923" y="3032688"/>
-            <a:ext cx="1" cy="2116125"/>
-          </a:xfrm>
-          <a:prstGeom prst="bentConnector3">
-            <a:avLst>
-              <a:gd name="adj1" fmla="val 22860100000"/>
-            </a:avLst>
+            <a:off x="4575646" y="3249100"/>
+            <a:ext cx="0" cy="1861894"/>
+          </a:xfrm>
+          <a:prstGeom prst="line">
+            <a:avLst/>
           </a:prstGeom>
+          <a:ln>
+            <a:solidFill>
+              <a:schemeClr val="tx1"/>
+            </a:solidFill>
+          </a:ln>
+        </p:spPr>
+        <p:style>
+          <a:lnRef idx="1">
+            <a:schemeClr val="accent1"/>
+          </a:lnRef>
+          <a:fillRef idx="0">
+            <a:schemeClr val="accent1"/>
+          </a:fillRef>
+          <a:effectRef idx="0">
+            <a:schemeClr val="accent1"/>
+          </a:effectRef>
+          <a:fontRef idx="minor">
+            <a:schemeClr val="tx1"/>
+          </a:fontRef>
+        </p:style>
+      </p:cxnSp>
+      <p:cxnSp>
+        <p:nvCxnSpPr>
+          <p:cNvPr id="56" name="Прямая соединительная линия 55">
+            <a:extLst>
+              <a:ext uri="{FF2B5EF4-FFF2-40B4-BE49-F238E27FC236}">
+                <a16:creationId xmlns:a16="http://schemas.microsoft.com/office/drawing/2014/main" id="{02AA255C-E60A-A86A-A587-B245CE5437C9}"/>
+              </a:ext>
+            </a:extLst>
+          </p:cNvPr>
+          <p:cNvCxnSpPr>
+            <a:cxnSpLocks/>
+            <a:stCxn id="77" idx="3"/>
+          </p:cNvCxnSpPr>
+          <p:nvPr/>
+        </p:nvCxnSpPr>
+        <p:spPr>
+          <a:xfrm>
+            <a:off x="3961140" y="5110994"/>
+            <a:ext cx="602844" cy="0"/>
+          </a:xfrm>
+          <a:prstGeom prst="line">
+            <a:avLst/>
+          </a:prstGeom>
+          <a:ln>
+            <a:solidFill>
+              <a:schemeClr val="tx1"/>
+            </a:solidFill>
+          </a:ln>
+        </p:spPr>
+        <p:style>
+          <a:lnRef idx="1">
+            <a:schemeClr val="accent1"/>
+          </a:lnRef>
+          <a:fillRef idx="0">
+            <a:schemeClr val="accent1"/>
+          </a:fillRef>
+          <a:effectRef idx="0">
+            <a:schemeClr val="accent1"/>
+          </a:effectRef>
+          <a:fontRef idx="minor">
+            <a:schemeClr val="tx1"/>
+          </a:fontRef>
+        </p:style>
+      </p:cxnSp>
+      <p:sp>
+        <p:nvSpPr>
+          <p:cNvPr id="65" name="Прямоугольник 64">
+            <a:extLst>
+              <a:ext uri="{FF2B5EF4-FFF2-40B4-BE49-F238E27FC236}">
+                <a16:creationId xmlns:a16="http://schemas.microsoft.com/office/drawing/2014/main" id="{1C82A255-F7AB-7F8D-2718-F1F75E0AD3B5}"/>
+              </a:ext>
+            </a:extLst>
+          </p:cNvPr>
+          <p:cNvSpPr/>
+          <p:nvPr/>
+        </p:nvSpPr>
+        <p:spPr>
+          <a:xfrm>
+            <a:off x="3536806" y="3083902"/>
+            <a:ext cx="406733" cy="333778"/>
+          </a:xfrm>
+          <a:prstGeom prst="rect">
+            <a:avLst/>
+          </a:prstGeom>
+          <a:noFill/>
+          <a:ln>
+            <a:solidFill>
+              <a:schemeClr val="tx1"/>
+            </a:solidFill>
+          </a:ln>
+        </p:spPr>
+        <p:style>
+          <a:lnRef idx="2">
+            <a:schemeClr val="accent1">
+              <a:shade val="50000"/>
+            </a:schemeClr>
+          </a:lnRef>
+          <a:fillRef idx="1">
+            <a:schemeClr val="accent1"/>
+          </a:fillRef>
+          <a:effectRef idx="0">
+            <a:schemeClr val="accent1"/>
+          </a:effectRef>
+          <a:fontRef idx="minor">
+            <a:schemeClr val="lt1"/>
+          </a:fontRef>
+        </p:style>
+        <p:txBody>
+          <a:bodyPr rtlCol="0" anchor="ctr"/>
+          <a:lstStyle/>
+          <a:p>
+            <a:pPr algn="ctr"/>
+            <a:endParaRPr lang="ru-RU"/>
+          </a:p>
+        </p:txBody>
+      </p:sp>
+      <p:sp>
+        <p:nvSpPr>
+          <p:cNvPr id="68" name="TextBox 67">
+            <a:extLst>
+              <a:ext uri="{FF2B5EF4-FFF2-40B4-BE49-F238E27FC236}">
+                <a16:creationId xmlns:a16="http://schemas.microsoft.com/office/drawing/2014/main" id="{A18280D4-959A-1B43-43FF-336582B1A483}"/>
+              </a:ext>
+            </a:extLst>
+          </p:cNvPr>
+          <p:cNvSpPr txBox="1"/>
+          <p:nvPr/>
+        </p:nvSpPr>
+        <p:spPr>
+          <a:xfrm>
+            <a:off x="3508815" y="3049502"/>
+            <a:ext cx="465192" cy="369332"/>
+          </a:xfrm>
+          <a:prstGeom prst="rect">
+            <a:avLst/>
+          </a:prstGeom>
+          <a:noFill/>
+        </p:spPr>
+        <p:txBody>
+          <a:bodyPr wrap="none" rtlCol="0">
+            <a:spAutoFit/>
+          </a:bodyPr>
+          <a:lstStyle/>
+          <a:p>
+            <a:r>
+              <a:rPr lang="en-US" dirty="0"/>
+              <a:t>IF1</a:t>
+            </a:r>
+            <a:endParaRPr lang="ru-RU" dirty="0"/>
+          </a:p>
+        </p:txBody>
+      </p:sp>
+      <p:sp>
+        <p:nvSpPr>
+          <p:cNvPr id="69" name="Прямоугольник 68">
+            <a:extLst>
+              <a:ext uri="{FF2B5EF4-FFF2-40B4-BE49-F238E27FC236}">
+                <a16:creationId xmlns:a16="http://schemas.microsoft.com/office/drawing/2014/main" id="{17EF361E-97F7-5760-9FCE-1A3E26123B32}"/>
+              </a:ext>
+            </a:extLst>
+          </p:cNvPr>
+          <p:cNvSpPr/>
+          <p:nvPr/>
+        </p:nvSpPr>
+        <p:spPr>
+          <a:xfrm>
+            <a:off x="3540077" y="2688687"/>
+            <a:ext cx="406733" cy="333778"/>
+          </a:xfrm>
+          <a:prstGeom prst="rect">
+            <a:avLst/>
+          </a:prstGeom>
+          <a:noFill/>
+          <a:ln>
+            <a:solidFill>
+              <a:schemeClr val="tx1"/>
+            </a:solidFill>
+          </a:ln>
+        </p:spPr>
+        <p:style>
+          <a:lnRef idx="2">
+            <a:schemeClr val="accent1">
+              <a:shade val="50000"/>
+            </a:schemeClr>
+          </a:lnRef>
+          <a:fillRef idx="1">
+            <a:schemeClr val="accent1"/>
+          </a:fillRef>
+          <a:effectRef idx="0">
+            <a:schemeClr val="accent1"/>
+          </a:effectRef>
+          <a:fontRef idx="minor">
+            <a:schemeClr val="lt1"/>
+          </a:fontRef>
+        </p:style>
+        <p:txBody>
+          <a:bodyPr rtlCol="0" anchor="ctr"/>
+          <a:lstStyle/>
+          <a:p>
+            <a:pPr algn="ctr"/>
+            <a:endParaRPr lang="ru-RU"/>
+          </a:p>
+        </p:txBody>
+      </p:sp>
+      <p:sp>
+        <p:nvSpPr>
+          <p:cNvPr id="72" name="TextBox 71">
+            <a:extLst>
+              <a:ext uri="{FF2B5EF4-FFF2-40B4-BE49-F238E27FC236}">
+                <a16:creationId xmlns:a16="http://schemas.microsoft.com/office/drawing/2014/main" id="{BB28FB50-57C0-D5C7-7E5F-F2EC49BEB14F}"/>
+              </a:ext>
+            </a:extLst>
+          </p:cNvPr>
+          <p:cNvSpPr txBox="1"/>
+          <p:nvPr/>
+        </p:nvSpPr>
+        <p:spPr>
+          <a:xfrm>
+            <a:off x="3508815" y="2653904"/>
+            <a:ext cx="465192" cy="369332"/>
+          </a:xfrm>
+          <a:prstGeom prst="rect">
+            <a:avLst/>
+          </a:prstGeom>
+          <a:noFill/>
+        </p:spPr>
+        <p:txBody>
+          <a:bodyPr wrap="square">
+            <a:spAutoFit/>
+          </a:bodyPr>
+          <a:lstStyle/>
+          <a:p>
+            <a:r>
+              <a:rPr lang="en-US" dirty="0"/>
+              <a:t>IF2</a:t>
+            </a:r>
+            <a:endParaRPr lang="ru-RU" dirty="0"/>
+          </a:p>
+        </p:txBody>
+      </p:sp>
+      <p:sp>
+        <p:nvSpPr>
+          <p:cNvPr id="74" name="TextBox 73">
+            <a:extLst>
+              <a:ext uri="{FF2B5EF4-FFF2-40B4-BE49-F238E27FC236}">
+                <a16:creationId xmlns:a16="http://schemas.microsoft.com/office/drawing/2014/main" id="{B57BAAA3-5A0C-9BE7-595D-4C80DDAAE503}"/>
+              </a:ext>
+            </a:extLst>
+          </p:cNvPr>
+          <p:cNvSpPr txBox="1"/>
+          <p:nvPr/>
+        </p:nvSpPr>
+        <p:spPr>
+          <a:xfrm>
+            <a:off x="3515413" y="4908551"/>
+            <a:ext cx="465192" cy="369332"/>
+          </a:xfrm>
+          <a:prstGeom prst="rect">
+            <a:avLst/>
+          </a:prstGeom>
+          <a:noFill/>
+        </p:spPr>
+        <p:txBody>
+          <a:bodyPr wrap="square">
+            <a:spAutoFit/>
+          </a:bodyPr>
+          <a:lstStyle/>
+          <a:p>
+            <a:r>
+              <a:rPr lang="en-US" dirty="0"/>
+              <a:t>IF1</a:t>
+            </a:r>
+            <a:endParaRPr lang="ru-RU" dirty="0"/>
+          </a:p>
+        </p:txBody>
+      </p:sp>
+      <p:sp>
+        <p:nvSpPr>
+          <p:cNvPr id="77" name="Прямоугольник 76">
+            <a:extLst>
+              <a:ext uri="{FF2B5EF4-FFF2-40B4-BE49-F238E27FC236}">
+                <a16:creationId xmlns:a16="http://schemas.microsoft.com/office/drawing/2014/main" id="{173C3644-A50D-947B-0F75-74FEB84E789B}"/>
+              </a:ext>
+            </a:extLst>
+          </p:cNvPr>
+          <p:cNvSpPr/>
+          <p:nvPr/>
+        </p:nvSpPr>
+        <p:spPr>
+          <a:xfrm>
+            <a:off x="3554407" y="4944105"/>
+            <a:ext cx="406733" cy="333778"/>
+          </a:xfrm>
+          <a:prstGeom prst="rect">
+            <a:avLst/>
+          </a:prstGeom>
+          <a:noFill/>
+          <a:ln>
+            <a:solidFill>
+              <a:schemeClr val="tx1"/>
+            </a:solidFill>
+          </a:ln>
+        </p:spPr>
+        <p:style>
+          <a:lnRef idx="2">
+            <a:schemeClr val="accent1">
+              <a:shade val="50000"/>
+            </a:schemeClr>
+          </a:lnRef>
+          <a:fillRef idx="1">
+            <a:schemeClr val="accent1"/>
+          </a:fillRef>
+          <a:effectRef idx="0">
+            <a:schemeClr val="accent1"/>
+          </a:effectRef>
+          <a:fontRef idx="minor">
+            <a:schemeClr val="lt1"/>
+          </a:fontRef>
+        </p:style>
+        <p:txBody>
+          <a:bodyPr rtlCol="0" anchor="ctr"/>
+          <a:lstStyle/>
+          <a:p>
+            <a:pPr algn="ctr"/>
+            <a:endParaRPr lang="ru-RU"/>
+          </a:p>
+        </p:txBody>
+      </p:sp>
+      <p:sp>
+        <p:nvSpPr>
+          <p:cNvPr id="90" name="TextBox 89">
+            <a:extLst>
+              <a:ext uri="{FF2B5EF4-FFF2-40B4-BE49-F238E27FC236}">
+                <a16:creationId xmlns:a16="http://schemas.microsoft.com/office/drawing/2014/main" id="{9E4FDF27-E57A-7B19-AF95-32639D1F0551}"/>
+              </a:ext>
+            </a:extLst>
+          </p:cNvPr>
+          <p:cNvSpPr txBox="1"/>
+          <p:nvPr/>
+        </p:nvSpPr>
+        <p:spPr>
+          <a:xfrm>
+            <a:off x="2343406" y="873961"/>
+            <a:ext cx="596638" cy="369332"/>
+          </a:xfrm>
+          <a:prstGeom prst="rect">
+            <a:avLst/>
+          </a:prstGeom>
+          <a:noFill/>
+        </p:spPr>
+        <p:txBody>
+          <a:bodyPr wrap="none" rtlCol="0">
+            <a:spAutoFit/>
+          </a:bodyPr>
+          <a:lstStyle/>
+          <a:p>
+            <a:r>
+              <a:rPr lang="en-US" dirty="0"/>
+              <a:t>PC</a:t>
+            </a:r>
+            <a:r>
+              <a:rPr lang="ru-RU" dirty="0"/>
+              <a:t> 1</a:t>
+            </a:r>
+          </a:p>
+        </p:txBody>
+      </p:sp>
+      <p:sp>
+        <p:nvSpPr>
+          <p:cNvPr id="91" name="TextBox 90">
+            <a:extLst>
+              <a:ext uri="{FF2B5EF4-FFF2-40B4-BE49-F238E27FC236}">
+                <a16:creationId xmlns:a16="http://schemas.microsoft.com/office/drawing/2014/main" id="{EC96A8AE-C4EF-7E44-99CC-2EEA3C079C2A}"/>
+              </a:ext>
+            </a:extLst>
+          </p:cNvPr>
+          <p:cNvSpPr txBox="1"/>
+          <p:nvPr/>
+        </p:nvSpPr>
+        <p:spPr>
+          <a:xfrm>
+            <a:off x="9266130" y="840242"/>
+            <a:ext cx="596638" cy="369332"/>
+          </a:xfrm>
+          <a:prstGeom prst="rect">
+            <a:avLst/>
+          </a:prstGeom>
+          <a:noFill/>
+        </p:spPr>
+        <p:txBody>
+          <a:bodyPr wrap="none" rtlCol="0">
+            <a:spAutoFit/>
+          </a:bodyPr>
+          <a:lstStyle/>
+          <a:p>
+            <a:r>
+              <a:rPr lang="en-US" dirty="0"/>
+              <a:t>PC</a:t>
+            </a:r>
+            <a:r>
+              <a:rPr lang="ru-RU" dirty="0"/>
+              <a:t> 2</a:t>
+            </a:r>
+          </a:p>
+        </p:txBody>
+      </p:sp>
+      <p:cxnSp>
+        <p:nvCxnSpPr>
+          <p:cNvPr id="92" name="Прямая соединительная линия 91">
+            <a:extLst>
+              <a:ext uri="{FF2B5EF4-FFF2-40B4-BE49-F238E27FC236}">
+                <a16:creationId xmlns:a16="http://schemas.microsoft.com/office/drawing/2014/main" id="{18F5C48C-7D02-FE55-6079-AE2C4B89306D}"/>
+              </a:ext>
+            </a:extLst>
+          </p:cNvPr>
+          <p:cNvCxnSpPr>
+            <a:cxnSpLocks/>
+          </p:cNvCxnSpPr>
+          <p:nvPr/>
+        </p:nvCxnSpPr>
+        <p:spPr>
+          <a:xfrm>
+            <a:off x="8205341" y="3249102"/>
+            <a:ext cx="625509" cy="0"/>
+          </a:xfrm>
+          <a:prstGeom prst="line">
+            <a:avLst/>
+          </a:prstGeom>
+          <a:ln>
+            <a:solidFill>
+              <a:schemeClr val="tx1"/>
+            </a:solidFill>
+          </a:ln>
+        </p:spPr>
+        <p:style>
+          <a:lnRef idx="1">
+            <a:schemeClr val="accent1"/>
+          </a:lnRef>
+          <a:fillRef idx="0">
+            <a:schemeClr val="accent1"/>
+          </a:fillRef>
+          <a:effectRef idx="0">
+            <a:schemeClr val="accent1"/>
+          </a:effectRef>
+          <a:fontRef idx="minor">
+            <a:schemeClr val="tx1"/>
+          </a:fontRef>
+        </p:style>
+      </p:cxnSp>
+      <p:cxnSp>
+        <p:nvCxnSpPr>
+          <p:cNvPr id="93" name="Прямая соединительная линия 92">
+            <a:extLst>
+              <a:ext uri="{FF2B5EF4-FFF2-40B4-BE49-F238E27FC236}">
+                <a16:creationId xmlns:a16="http://schemas.microsoft.com/office/drawing/2014/main" id="{EB193BE0-26D0-9D14-0930-34DC41D51F8E}"/>
+              </a:ext>
+            </a:extLst>
+          </p:cNvPr>
+          <p:cNvCxnSpPr>
+            <a:cxnSpLocks/>
+          </p:cNvCxnSpPr>
+          <p:nvPr/>
+        </p:nvCxnSpPr>
+        <p:spPr>
+          <a:xfrm>
+            <a:off x="8837448" y="3249102"/>
+            <a:ext cx="0" cy="1861894"/>
+          </a:xfrm>
+          <a:prstGeom prst="line">
+            <a:avLst/>
+          </a:prstGeom>
+          <a:ln>
+            <a:solidFill>
+              <a:schemeClr val="tx1"/>
+            </a:solidFill>
+          </a:ln>
+        </p:spPr>
+        <p:style>
+          <a:lnRef idx="1">
+            <a:schemeClr val="accent1"/>
+          </a:lnRef>
+          <a:fillRef idx="0">
+            <a:schemeClr val="accent1"/>
+          </a:fillRef>
+          <a:effectRef idx="0">
+            <a:schemeClr val="accent1"/>
+          </a:effectRef>
+          <a:fontRef idx="minor">
+            <a:schemeClr val="tx1"/>
+          </a:fontRef>
+        </p:style>
+      </p:cxnSp>
+      <p:cxnSp>
+        <p:nvCxnSpPr>
+          <p:cNvPr id="94" name="Прямая соединительная линия 93">
+            <a:extLst>
+              <a:ext uri="{FF2B5EF4-FFF2-40B4-BE49-F238E27FC236}">
+                <a16:creationId xmlns:a16="http://schemas.microsoft.com/office/drawing/2014/main" id="{B1ACAD53-7AD6-ABB8-0723-67B452183966}"/>
+              </a:ext>
+            </a:extLst>
+          </p:cNvPr>
+          <p:cNvCxnSpPr>
+            <a:cxnSpLocks/>
+            <a:stCxn id="98" idx="3"/>
+          </p:cNvCxnSpPr>
+          <p:nvPr/>
+        </p:nvCxnSpPr>
+        <p:spPr>
+          <a:xfrm>
+            <a:off x="8222942" y="5110996"/>
+            <a:ext cx="602844" cy="0"/>
+          </a:xfrm>
+          <a:prstGeom prst="line">
+            <a:avLst/>
+          </a:prstGeom>
+          <a:ln>
+            <a:solidFill>
+              <a:schemeClr val="tx1"/>
+            </a:solidFill>
+          </a:ln>
+        </p:spPr>
+        <p:style>
+          <a:lnRef idx="1">
+            <a:schemeClr val="accent1"/>
+          </a:lnRef>
+          <a:fillRef idx="0">
+            <a:schemeClr val="accent1"/>
+          </a:fillRef>
+          <a:effectRef idx="0">
+            <a:schemeClr val="accent1"/>
+          </a:effectRef>
+          <a:fontRef idx="minor">
+            <a:schemeClr val="tx1"/>
+          </a:fontRef>
+        </p:style>
+      </p:cxnSp>
+      <p:sp>
+        <p:nvSpPr>
+          <p:cNvPr id="95" name="Прямоугольник 94">
+            <a:extLst>
+              <a:ext uri="{FF2B5EF4-FFF2-40B4-BE49-F238E27FC236}">
+                <a16:creationId xmlns:a16="http://schemas.microsoft.com/office/drawing/2014/main" id="{A44F0F0E-C114-02B6-6A6B-47F2DEAC24D9}"/>
+              </a:ext>
+            </a:extLst>
+          </p:cNvPr>
+          <p:cNvSpPr/>
+          <p:nvPr/>
+        </p:nvSpPr>
+        <p:spPr>
+          <a:xfrm>
+            <a:off x="7798608" y="3083904"/>
+            <a:ext cx="406733" cy="333778"/>
+          </a:xfrm>
+          <a:prstGeom prst="rect">
+            <a:avLst/>
+          </a:prstGeom>
+          <a:noFill/>
+          <a:ln>
+            <a:solidFill>
+              <a:schemeClr val="tx1"/>
+            </a:solidFill>
+          </a:ln>
+        </p:spPr>
+        <p:style>
+          <a:lnRef idx="2">
+            <a:schemeClr val="accent1">
+              <a:shade val="50000"/>
+            </a:schemeClr>
+          </a:lnRef>
+          <a:fillRef idx="1">
+            <a:schemeClr val="accent1"/>
+          </a:fillRef>
+          <a:effectRef idx="0">
+            <a:schemeClr val="accent1"/>
+          </a:effectRef>
+          <a:fontRef idx="minor">
+            <a:schemeClr val="lt1"/>
+          </a:fontRef>
+        </p:style>
+        <p:txBody>
+          <a:bodyPr rtlCol="0" anchor="ctr"/>
+          <a:lstStyle/>
+          <a:p>
+            <a:pPr algn="ctr"/>
+            <a:endParaRPr lang="ru-RU"/>
+          </a:p>
+        </p:txBody>
+      </p:sp>
+      <p:sp>
+        <p:nvSpPr>
+          <p:cNvPr id="96" name="Прямоугольник 95">
+            <a:extLst>
+              <a:ext uri="{FF2B5EF4-FFF2-40B4-BE49-F238E27FC236}">
+                <a16:creationId xmlns:a16="http://schemas.microsoft.com/office/drawing/2014/main" id="{0F5E0A97-4A17-BF33-9A13-C498A55199C0}"/>
+              </a:ext>
+            </a:extLst>
+          </p:cNvPr>
+          <p:cNvSpPr/>
+          <p:nvPr/>
+        </p:nvSpPr>
+        <p:spPr>
+          <a:xfrm>
+            <a:off x="7801879" y="2688689"/>
+            <a:ext cx="406733" cy="333778"/>
+          </a:xfrm>
+          <a:prstGeom prst="rect">
+            <a:avLst/>
+          </a:prstGeom>
+          <a:noFill/>
+          <a:ln>
+            <a:solidFill>
+              <a:schemeClr val="tx1"/>
+            </a:solidFill>
+          </a:ln>
+        </p:spPr>
+        <p:style>
+          <a:lnRef idx="2">
+            <a:schemeClr val="accent1">
+              <a:shade val="50000"/>
+            </a:schemeClr>
+          </a:lnRef>
+          <a:fillRef idx="1">
+            <a:schemeClr val="accent1"/>
+          </a:fillRef>
+          <a:effectRef idx="0">
+            <a:schemeClr val="accent1"/>
+          </a:effectRef>
+          <a:fontRef idx="minor">
+            <a:schemeClr val="lt1"/>
+          </a:fontRef>
+        </p:style>
+        <p:txBody>
+          <a:bodyPr rtlCol="0" anchor="ctr"/>
+          <a:lstStyle/>
+          <a:p>
+            <a:pPr algn="ctr"/>
+            <a:endParaRPr lang="ru-RU"/>
+          </a:p>
+        </p:txBody>
+      </p:sp>
+      <p:sp>
+        <p:nvSpPr>
+          <p:cNvPr id="97" name="TextBox 96">
+            <a:extLst>
+              <a:ext uri="{FF2B5EF4-FFF2-40B4-BE49-F238E27FC236}">
+                <a16:creationId xmlns:a16="http://schemas.microsoft.com/office/drawing/2014/main" id="{759664AD-8F08-E107-FBAE-B24897CA1F99}"/>
+              </a:ext>
+            </a:extLst>
+          </p:cNvPr>
+          <p:cNvSpPr txBox="1"/>
+          <p:nvPr/>
+        </p:nvSpPr>
+        <p:spPr>
+          <a:xfrm>
+            <a:off x="7777215" y="4908553"/>
+            <a:ext cx="465192" cy="369332"/>
+          </a:xfrm>
+          <a:prstGeom prst="rect">
+            <a:avLst/>
+          </a:prstGeom>
+          <a:noFill/>
+        </p:spPr>
+        <p:txBody>
+          <a:bodyPr wrap="square">
+            <a:spAutoFit/>
+          </a:bodyPr>
+          <a:lstStyle/>
+          <a:p>
+            <a:r>
+              <a:rPr lang="en-US" dirty="0"/>
+              <a:t>IF1</a:t>
+            </a:r>
+            <a:endParaRPr lang="ru-RU" dirty="0"/>
+          </a:p>
+        </p:txBody>
+      </p:sp>
+      <p:sp>
+        <p:nvSpPr>
+          <p:cNvPr id="98" name="Прямоугольник 97">
+            <a:extLst>
+              <a:ext uri="{FF2B5EF4-FFF2-40B4-BE49-F238E27FC236}">
+                <a16:creationId xmlns:a16="http://schemas.microsoft.com/office/drawing/2014/main" id="{98C2ED02-F1C5-2798-1ECD-6F2505848810}"/>
+              </a:ext>
+            </a:extLst>
+          </p:cNvPr>
+          <p:cNvSpPr/>
+          <p:nvPr/>
+        </p:nvSpPr>
+        <p:spPr>
+          <a:xfrm>
+            <a:off x="7816209" y="4944107"/>
+            <a:ext cx="406733" cy="333778"/>
+          </a:xfrm>
+          <a:prstGeom prst="rect">
+            <a:avLst/>
+          </a:prstGeom>
+          <a:noFill/>
+          <a:ln>
+            <a:solidFill>
+              <a:schemeClr val="tx1"/>
+            </a:solidFill>
+          </a:ln>
+        </p:spPr>
+        <p:style>
+          <a:lnRef idx="2">
+            <a:schemeClr val="accent1">
+              <a:shade val="50000"/>
+            </a:schemeClr>
+          </a:lnRef>
+          <a:fillRef idx="1">
+            <a:schemeClr val="accent1"/>
+          </a:fillRef>
+          <a:effectRef idx="0">
+            <a:schemeClr val="accent1"/>
+          </a:effectRef>
+          <a:fontRef idx="minor">
+            <a:schemeClr val="lt1"/>
+          </a:fontRef>
+        </p:style>
+        <p:txBody>
+          <a:bodyPr rtlCol="0" anchor="ctr"/>
+          <a:lstStyle/>
+          <a:p>
+            <a:pPr algn="ctr"/>
+            <a:endParaRPr lang="ru-RU"/>
+          </a:p>
+        </p:txBody>
+      </p:sp>
+      <p:sp>
+        <p:nvSpPr>
+          <p:cNvPr id="99" name="TextBox 98">
+            <a:extLst>
+              <a:ext uri="{FF2B5EF4-FFF2-40B4-BE49-F238E27FC236}">
+                <a16:creationId xmlns:a16="http://schemas.microsoft.com/office/drawing/2014/main" id="{CC888955-5DD7-6A5C-4644-4AD56DF77725}"/>
+              </a:ext>
+            </a:extLst>
+          </p:cNvPr>
+          <p:cNvSpPr txBox="1"/>
+          <p:nvPr/>
+        </p:nvSpPr>
+        <p:spPr>
+          <a:xfrm>
+            <a:off x="7757750" y="3049504"/>
+            <a:ext cx="465192" cy="369332"/>
+          </a:xfrm>
+          <a:prstGeom prst="rect">
+            <a:avLst/>
+          </a:prstGeom>
+          <a:noFill/>
+        </p:spPr>
+        <p:txBody>
+          <a:bodyPr wrap="none" rtlCol="0">
+            <a:spAutoFit/>
+          </a:bodyPr>
+          <a:lstStyle/>
+          <a:p>
+            <a:r>
+              <a:rPr lang="en-US" dirty="0"/>
+              <a:t>IF1</a:t>
+            </a:r>
+            <a:endParaRPr lang="ru-RU" dirty="0"/>
+          </a:p>
+        </p:txBody>
+      </p:sp>
+      <p:sp>
+        <p:nvSpPr>
+          <p:cNvPr id="100" name="TextBox 99">
+            <a:extLst>
+              <a:ext uri="{FF2B5EF4-FFF2-40B4-BE49-F238E27FC236}">
+                <a16:creationId xmlns:a16="http://schemas.microsoft.com/office/drawing/2014/main" id="{8EB12475-2CFB-96DF-FF38-61CD52364D52}"/>
+              </a:ext>
+            </a:extLst>
+          </p:cNvPr>
+          <p:cNvSpPr txBox="1"/>
+          <p:nvPr/>
+        </p:nvSpPr>
+        <p:spPr>
+          <a:xfrm>
+            <a:off x="7757750" y="2653906"/>
+            <a:ext cx="465192" cy="369332"/>
+          </a:xfrm>
+          <a:prstGeom prst="rect">
+            <a:avLst/>
+          </a:prstGeom>
+          <a:noFill/>
+        </p:spPr>
+        <p:txBody>
+          <a:bodyPr wrap="square">
+            <a:spAutoFit/>
+          </a:bodyPr>
+          <a:lstStyle/>
+          <a:p>
+            <a:r>
+              <a:rPr lang="en-US" dirty="0"/>
+              <a:t>IF2</a:t>
+            </a:r>
+            <a:endParaRPr lang="ru-RU" dirty="0"/>
+          </a:p>
+        </p:txBody>
+      </p:sp>
+      <p:sp>
+        <p:nvSpPr>
+          <p:cNvPr id="104" name="Прямоугольник 103">
+            <a:extLst>
+              <a:ext uri="{FF2B5EF4-FFF2-40B4-BE49-F238E27FC236}">
+                <a16:creationId xmlns:a16="http://schemas.microsoft.com/office/drawing/2014/main" id="{316D8B7B-7939-3CA7-6390-8AEB0612C052}"/>
+              </a:ext>
+            </a:extLst>
+          </p:cNvPr>
+          <p:cNvSpPr/>
+          <p:nvPr/>
+        </p:nvSpPr>
+        <p:spPr>
+          <a:xfrm>
+            <a:off x="4443214" y="1773318"/>
+            <a:ext cx="914400" cy="431355"/>
+          </a:xfrm>
+          <a:prstGeom prst="rect">
+            <a:avLst/>
+          </a:prstGeom>
+          <a:solidFill>
+            <a:schemeClr val="bg1">
+              <a:lumMod val="95000"/>
+            </a:schemeClr>
+          </a:solidFill>
+          <a:ln>
+            <a:solidFill>
+              <a:schemeClr val="tx1"/>
+            </a:solidFill>
+          </a:ln>
+        </p:spPr>
+        <p:style>
+          <a:lnRef idx="2">
+            <a:schemeClr val="accent1">
+              <a:shade val="50000"/>
+            </a:schemeClr>
+          </a:lnRef>
+          <a:fillRef idx="1">
+            <a:schemeClr val="accent1"/>
+          </a:fillRef>
+          <a:effectRef idx="0">
+            <a:schemeClr val="accent1"/>
+          </a:effectRef>
+          <a:fontRef idx="minor">
+            <a:schemeClr val="lt1"/>
+          </a:fontRef>
+        </p:style>
+        <p:txBody>
+          <a:bodyPr rtlCol="0" anchor="ctr"/>
+          <a:lstStyle/>
+          <a:p>
+            <a:pPr algn="ctr"/>
+            <a:r>
+              <a:rPr lang="en-US" dirty="0">
+                <a:solidFill>
+                  <a:schemeClr val="tx1"/>
+                </a:solidFill>
+              </a:rPr>
+              <a:t>HOST</a:t>
+            </a:r>
+            <a:endParaRPr lang="ru-RU" dirty="0">
+              <a:solidFill>
+                <a:schemeClr val="tx1"/>
+              </a:solidFill>
+            </a:endParaRPr>
+          </a:p>
+        </p:txBody>
+      </p:sp>
+      <p:sp>
+        <p:nvSpPr>
+          <p:cNvPr id="105" name="Прямоугольник 104">
+            <a:extLst>
+              <a:ext uri="{FF2B5EF4-FFF2-40B4-BE49-F238E27FC236}">
+                <a16:creationId xmlns:a16="http://schemas.microsoft.com/office/drawing/2014/main" id="{EBDE062F-A3FF-C468-0EDC-72EB0F713751}"/>
+              </a:ext>
+            </a:extLst>
+          </p:cNvPr>
+          <p:cNvSpPr/>
+          <p:nvPr/>
+        </p:nvSpPr>
+        <p:spPr>
+          <a:xfrm>
+            <a:off x="6920349" y="1757237"/>
+            <a:ext cx="914400" cy="431355"/>
+          </a:xfrm>
+          <a:prstGeom prst="rect">
+            <a:avLst/>
+          </a:prstGeom>
+          <a:solidFill>
+            <a:schemeClr val="bg1">
+              <a:lumMod val="95000"/>
+            </a:schemeClr>
+          </a:solidFill>
+          <a:ln>
+            <a:solidFill>
+              <a:schemeClr val="tx1"/>
+            </a:solidFill>
+          </a:ln>
+        </p:spPr>
+        <p:style>
+          <a:lnRef idx="2">
+            <a:schemeClr val="accent1">
+              <a:shade val="50000"/>
+            </a:schemeClr>
+          </a:lnRef>
+          <a:fillRef idx="1">
+            <a:schemeClr val="accent1"/>
+          </a:fillRef>
+          <a:effectRef idx="0">
+            <a:schemeClr val="accent1"/>
+          </a:effectRef>
+          <a:fontRef idx="minor">
+            <a:schemeClr val="lt1"/>
+          </a:fontRef>
+        </p:style>
+        <p:txBody>
+          <a:bodyPr rtlCol="0" anchor="ctr"/>
+          <a:lstStyle/>
+          <a:p>
+            <a:pPr algn="ctr"/>
+            <a:r>
+              <a:rPr lang="en-US" dirty="0">
+                <a:solidFill>
+                  <a:schemeClr val="tx1"/>
+                </a:solidFill>
+              </a:rPr>
+              <a:t>HOST</a:t>
+            </a:r>
+            <a:endParaRPr lang="ru-RU" dirty="0">
+              <a:solidFill>
+                <a:schemeClr val="tx1"/>
+              </a:solidFill>
+            </a:endParaRPr>
+          </a:p>
+        </p:txBody>
+      </p:sp>
+      <p:cxnSp>
+        <p:nvCxnSpPr>
+          <p:cNvPr id="119" name="Прямая соединительная линия 118">
+            <a:extLst>
+              <a:ext uri="{FF2B5EF4-FFF2-40B4-BE49-F238E27FC236}">
+                <a16:creationId xmlns:a16="http://schemas.microsoft.com/office/drawing/2014/main" id="{30757FD6-7F16-54BF-1853-48334E3A918A}"/>
+              </a:ext>
+            </a:extLst>
+          </p:cNvPr>
+          <p:cNvCxnSpPr>
+            <a:cxnSpLocks/>
+          </p:cNvCxnSpPr>
+          <p:nvPr/>
+        </p:nvCxnSpPr>
+        <p:spPr>
+          <a:xfrm>
+            <a:off x="3943539" y="2838570"/>
+            <a:ext cx="956875" cy="0"/>
+          </a:xfrm>
+          <a:prstGeom prst="line">
+            <a:avLst/>
+          </a:prstGeom>
+          <a:ln>
+            <a:solidFill>
+              <a:schemeClr val="tx1"/>
+            </a:solidFill>
+          </a:ln>
+        </p:spPr>
+        <p:style>
+          <a:lnRef idx="1">
+            <a:schemeClr val="accent1"/>
+          </a:lnRef>
+          <a:fillRef idx="0">
+            <a:schemeClr val="accent1"/>
+          </a:fillRef>
+          <a:effectRef idx="0">
+            <a:schemeClr val="accent1"/>
+          </a:effectRef>
+          <a:fontRef idx="minor">
+            <a:schemeClr val="tx1"/>
+          </a:fontRef>
+        </p:style>
+      </p:cxnSp>
+      <p:cxnSp>
+        <p:nvCxnSpPr>
+          <p:cNvPr id="122" name="Прямая соединительная линия 121">
+            <a:extLst>
+              <a:ext uri="{FF2B5EF4-FFF2-40B4-BE49-F238E27FC236}">
+                <a16:creationId xmlns:a16="http://schemas.microsoft.com/office/drawing/2014/main" id="{738FA20B-0C6D-649E-D76A-63096E6A3A5D}"/>
+              </a:ext>
+            </a:extLst>
+          </p:cNvPr>
+          <p:cNvCxnSpPr>
+            <a:cxnSpLocks/>
+            <a:stCxn id="104" idx="2"/>
+          </p:cNvCxnSpPr>
+          <p:nvPr/>
+        </p:nvCxnSpPr>
+        <p:spPr>
+          <a:xfrm>
+            <a:off x="4900414" y="2204673"/>
+            <a:ext cx="0" cy="633897"/>
+          </a:xfrm>
+          <a:prstGeom prst="line">
+            <a:avLst/>
+          </a:prstGeom>
+          <a:ln>
+            <a:solidFill>
+              <a:schemeClr val="tx1"/>
+            </a:solidFill>
+          </a:ln>
+        </p:spPr>
+        <p:style>
+          <a:lnRef idx="1">
+            <a:schemeClr val="accent1"/>
+          </a:lnRef>
+          <a:fillRef idx="0">
+            <a:schemeClr val="accent1"/>
+          </a:fillRef>
+          <a:effectRef idx="0">
+            <a:schemeClr val="accent1"/>
+          </a:effectRef>
+          <a:fontRef idx="minor">
+            <a:schemeClr val="tx1"/>
+          </a:fontRef>
+        </p:style>
+      </p:cxnSp>
+      <p:cxnSp>
+        <p:nvCxnSpPr>
+          <p:cNvPr id="129" name="Прямая соединительная линия 128">
+            <a:extLst>
+              <a:ext uri="{FF2B5EF4-FFF2-40B4-BE49-F238E27FC236}">
+                <a16:creationId xmlns:a16="http://schemas.microsoft.com/office/drawing/2014/main" id="{5B477CA2-F60D-57E7-4D27-FDBC7136E8C6}"/>
+              </a:ext>
+            </a:extLst>
+          </p:cNvPr>
+          <p:cNvCxnSpPr>
+            <a:cxnSpLocks/>
+          </p:cNvCxnSpPr>
+          <p:nvPr/>
+        </p:nvCxnSpPr>
+        <p:spPr>
+          <a:xfrm>
+            <a:off x="8205341" y="2843059"/>
+            <a:ext cx="632107" cy="0"/>
+          </a:xfrm>
+          <a:prstGeom prst="line">
+            <a:avLst/>
+          </a:prstGeom>
+          <a:ln>
+            <a:solidFill>
+              <a:schemeClr val="tx1"/>
+            </a:solidFill>
+          </a:ln>
+        </p:spPr>
+        <p:style>
+          <a:lnRef idx="1">
+            <a:schemeClr val="accent1"/>
+          </a:lnRef>
+          <a:fillRef idx="0">
+            <a:schemeClr val="accent1"/>
+          </a:fillRef>
+          <a:effectRef idx="0">
+            <a:schemeClr val="accent1"/>
+          </a:effectRef>
+          <a:fontRef idx="minor">
+            <a:schemeClr val="tx1"/>
+          </a:fontRef>
+        </p:style>
+      </p:cxnSp>
+      <p:cxnSp>
+        <p:nvCxnSpPr>
+          <p:cNvPr id="130" name="Прямая соединительная линия 129">
+            <a:extLst>
+              <a:ext uri="{FF2B5EF4-FFF2-40B4-BE49-F238E27FC236}">
+                <a16:creationId xmlns:a16="http://schemas.microsoft.com/office/drawing/2014/main" id="{1D730747-4C1D-84BB-2AF7-EFCD372665BA}"/>
+              </a:ext>
+            </a:extLst>
+          </p:cNvPr>
+          <p:cNvCxnSpPr>
+            <a:cxnSpLocks/>
+          </p:cNvCxnSpPr>
+          <p:nvPr/>
+        </p:nvCxnSpPr>
+        <p:spPr>
+          <a:xfrm>
+            <a:off x="7370813" y="2188592"/>
+            <a:ext cx="0" cy="235404"/>
+          </a:xfrm>
+          <a:prstGeom prst="line">
+            <a:avLst/>
+          </a:prstGeom>
+          <a:ln>
+            <a:solidFill>
+              <a:schemeClr val="tx1"/>
+            </a:solidFill>
+          </a:ln>
+        </p:spPr>
+        <p:style>
+          <a:lnRef idx="1">
+            <a:schemeClr val="accent1"/>
+          </a:lnRef>
+          <a:fillRef idx="0">
+            <a:schemeClr val="accent1"/>
+          </a:fillRef>
+          <a:effectRef idx="0">
+            <a:schemeClr val="accent1"/>
+          </a:effectRef>
+          <a:fontRef idx="minor">
+            <a:schemeClr val="tx1"/>
+          </a:fontRef>
+        </p:style>
+      </p:cxnSp>
+      <p:cxnSp>
+        <p:nvCxnSpPr>
+          <p:cNvPr id="132" name="Прямая соединительная линия 131">
+            <a:extLst>
+              <a:ext uri="{FF2B5EF4-FFF2-40B4-BE49-F238E27FC236}">
+                <a16:creationId xmlns:a16="http://schemas.microsoft.com/office/drawing/2014/main" id="{1B7774C7-B67E-E195-5BDF-E6BBCFF03FC0}"/>
+              </a:ext>
+            </a:extLst>
+          </p:cNvPr>
+          <p:cNvCxnSpPr>
+            <a:cxnSpLocks/>
+          </p:cNvCxnSpPr>
+          <p:nvPr/>
+        </p:nvCxnSpPr>
+        <p:spPr>
+          <a:xfrm>
+            <a:off x="7384050" y="2423996"/>
+            <a:ext cx="1453398" cy="0"/>
+          </a:xfrm>
+          <a:prstGeom prst="line">
+            <a:avLst/>
+          </a:prstGeom>
+          <a:ln>
+            <a:solidFill>
+              <a:schemeClr val="tx1"/>
+            </a:solidFill>
+          </a:ln>
+        </p:spPr>
+        <p:style>
+          <a:lnRef idx="1">
+            <a:schemeClr val="accent1"/>
+          </a:lnRef>
+          <a:fillRef idx="0">
+            <a:schemeClr val="accent1"/>
+          </a:fillRef>
+          <a:effectRef idx="0">
+            <a:schemeClr val="accent1"/>
+          </a:effectRef>
+          <a:fontRef idx="minor">
+            <a:schemeClr val="tx1"/>
+          </a:fontRef>
+        </p:style>
+      </p:cxnSp>
+      <p:cxnSp>
+        <p:nvCxnSpPr>
+          <p:cNvPr id="137" name="Прямая соединительная линия 136">
+            <a:extLst>
+              <a:ext uri="{FF2B5EF4-FFF2-40B4-BE49-F238E27FC236}">
+                <a16:creationId xmlns:a16="http://schemas.microsoft.com/office/drawing/2014/main" id="{B54E94F1-A4BB-1466-9AE7-F0145DFCCBF8}"/>
+              </a:ext>
+            </a:extLst>
+          </p:cNvPr>
+          <p:cNvCxnSpPr>
+            <a:cxnSpLocks/>
+          </p:cNvCxnSpPr>
+          <p:nvPr/>
+        </p:nvCxnSpPr>
+        <p:spPr>
+          <a:xfrm>
+            <a:off x="8837448" y="2423996"/>
+            <a:ext cx="0" cy="414574"/>
+          </a:xfrm>
+          <a:prstGeom prst="line">
+            <a:avLst/>
+          </a:prstGeom>
+          <a:ln>
+            <a:solidFill>
+              <a:schemeClr val="tx1"/>
+            </a:solidFill>
+          </a:ln>
+        </p:spPr>
+        <p:style>
+          <a:lnRef idx="1">
+            <a:schemeClr val="accent1"/>
+          </a:lnRef>
+          <a:fillRef idx="0">
+            <a:schemeClr val="accent1"/>
+          </a:fillRef>
+          <a:effectRef idx="0">
+            <a:schemeClr val="accent1"/>
+          </a:effectRef>
+          <a:fontRef idx="minor">
+            <a:schemeClr val="tx1"/>
+          </a:fontRef>
+        </p:style>
+      </p:cxnSp>
+      <p:cxnSp>
+        <p:nvCxnSpPr>
+          <p:cNvPr id="143" name="Прямая соединительная линия 142">
+            <a:extLst>
+              <a:ext uri="{FF2B5EF4-FFF2-40B4-BE49-F238E27FC236}">
+                <a16:creationId xmlns:a16="http://schemas.microsoft.com/office/drawing/2014/main" id="{3D2EF41C-41C1-9346-0AD6-6FD6CF837C52}"/>
+              </a:ext>
+            </a:extLst>
+          </p:cNvPr>
+          <p:cNvCxnSpPr>
+            <a:cxnSpLocks/>
+          </p:cNvCxnSpPr>
+          <p:nvPr/>
+        </p:nvCxnSpPr>
+        <p:spPr>
+          <a:xfrm>
+            <a:off x="4894667" y="1447496"/>
+            <a:ext cx="0" cy="309741"/>
+          </a:xfrm>
+          <a:prstGeom prst="line">
+            <a:avLst/>
+          </a:prstGeom>
+          <a:ln>
+            <a:solidFill>
+              <a:schemeClr val="tx1"/>
+            </a:solidFill>
+          </a:ln>
+        </p:spPr>
+        <p:style>
+          <a:lnRef idx="1">
+            <a:schemeClr val="accent1"/>
+          </a:lnRef>
+          <a:fillRef idx="0">
+            <a:schemeClr val="accent1"/>
+          </a:fillRef>
+          <a:effectRef idx="0">
+            <a:schemeClr val="accent1"/>
+          </a:effectRef>
+          <a:fontRef idx="minor">
+            <a:schemeClr val="tx1"/>
+          </a:fontRef>
+        </p:style>
+      </p:cxnSp>
+      <p:cxnSp>
+        <p:nvCxnSpPr>
+          <p:cNvPr id="148" name="Прямая соединительная линия 147">
+            <a:extLst>
+              <a:ext uri="{FF2B5EF4-FFF2-40B4-BE49-F238E27FC236}">
+                <a16:creationId xmlns:a16="http://schemas.microsoft.com/office/drawing/2014/main" id="{5993002B-1AB1-5DD7-13F6-59520E4EC569}"/>
+              </a:ext>
+            </a:extLst>
+          </p:cNvPr>
+          <p:cNvCxnSpPr>
+            <a:cxnSpLocks/>
+          </p:cNvCxnSpPr>
+          <p:nvPr/>
+        </p:nvCxnSpPr>
+        <p:spPr>
+          <a:xfrm flipH="1">
+            <a:off x="4894667" y="1447496"/>
+            <a:ext cx="969238" cy="0"/>
+          </a:xfrm>
+          <a:prstGeom prst="line">
+            <a:avLst/>
+          </a:prstGeom>
+          <a:ln>
+            <a:solidFill>
+              <a:schemeClr val="tx1"/>
+            </a:solidFill>
+          </a:ln>
+        </p:spPr>
+        <p:style>
+          <a:lnRef idx="1">
+            <a:schemeClr val="accent1"/>
+          </a:lnRef>
+          <a:fillRef idx="0">
+            <a:schemeClr val="accent1"/>
+          </a:fillRef>
+          <a:effectRef idx="0">
+            <a:schemeClr val="accent1"/>
+          </a:effectRef>
+          <a:fontRef idx="minor">
+            <a:schemeClr val="tx1"/>
+          </a:fontRef>
+        </p:style>
+      </p:cxnSp>
+      <p:cxnSp>
+        <p:nvCxnSpPr>
+          <p:cNvPr id="164" name="Прямая соединительная линия 163">
+            <a:extLst>
+              <a:ext uri="{FF2B5EF4-FFF2-40B4-BE49-F238E27FC236}">
+                <a16:creationId xmlns:a16="http://schemas.microsoft.com/office/drawing/2014/main" id="{A9F757F1-A23D-8FC4-0BF4-5A7FD3B78DD1}"/>
+              </a:ext>
+            </a:extLst>
+          </p:cNvPr>
+          <p:cNvCxnSpPr>
+            <a:cxnSpLocks/>
+          </p:cNvCxnSpPr>
+          <p:nvPr/>
+        </p:nvCxnSpPr>
+        <p:spPr>
+          <a:xfrm>
+            <a:off x="7362429" y="1447496"/>
+            <a:ext cx="0" cy="285972"/>
+          </a:xfrm>
+          <a:prstGeom prst="line">
+            <a:avLst/>
+          </a:prstGeom>
+          <a:ln>
+            <a:solidFill>
+              <a:schemeClr val="tx1"/>
+            </a:solidFill>
+          </a:ln>
+        </p:spPr>
+        <p:style>
+          <a:lnRef idx="1">
+            <a:schemeClr val="accent1"/>
+          </a:lnRef>
+          <a:fillRef idx="0">
+            <a:schemeClr val="accent1"/>
+          </a:fillRef>
+          <a:effectRef idx="0">
+            <a:schemeClr val="accent1"/>
+          </a:effectRef>
+          <a:fontRef idx="minor">
+            <a:schemeClr val="tx1"/>
+          </a:fontRef>
+        </p:style>
+      </p:cxnSp>
+      <p:sp>
+        <p:nvSpPr>
+          <p:cNvPr id="168" name="TextBox 167">
+            <a:extLst>
+              <a:ext uri="{FF2B5EF4-FFF2-40B4-BE49-F238E27FC236}">
+                <a16:creationId xmlns:a16="http://schemas.microsoft.com/office/drawing/2014/main" id="{5AFFC0EA-CC49-8BEA-DB85-0E378D672159}"/>
+              </a:ext>
+            </a:extLst>
+          </p:cNvPr>
+          <p:cNvSpPr txBox="1"/>
+          <p:nvPr/>
+        </p:nvSpPr>
+        <p:spPr>
+          <a:xfrm>
+            <a:off x="5267012" y="1403986"/>
+            <a:ext cx="1743939" cy="369332"/>
+          </a:xfrm>
+          <a:prstGeom prst="rect">
+            <a:avLst/>
+          </a:prstGeom>
+          <a:noFill/>
+        </p:spPr>
+        <p:txBody>
+          <a:bodyPr wrap="none" rtlCol="0">
+            <a:spAutoFit/>
+          </a:bodyPr>
+          <a:lstStyle/>
+          <a:p>
+            <a:r>
+              <a:rPr lang="en-US" i="1" dirty="0"/>
+              <a:t>Bridged network</a:t>
+            </a:r>
+            <a:endParaRPr lang="ru-RU" i="1" dirty="0"/>
+          </a:p>
+        </p:txBody>
+      </p:sp>
+      <p:sp>
+        <p:nvSpPr>
+          <p:cNvPr id="169" name="Прямоугольник 168">
+            <a:extLst>
+              <a:ext uri="{FF2B5EF4-FFF2-40B4-BE49-F238E27FC236}">
+                <a16:creationId xmlns:a16="http://schemas.microsoft.com/office/drawing/2014/main" id="{B1EF8084-6CC6-C3F3-4816-7F5445CB244E}"/>
+              </a:ext>
+            </a:extLst>
+          </p:cNvPr>
+          <p:cNvSpPr/>
+          <p:nvPr/>
+        </p:nvSpPr>
+        <p:spPr>
+          <a:xfrm>
+            <a:off x="5519697" y="926815"/>
+            <a:ext cx="1238568" cy="369332"/>
+          </a:xfrm>
+          <a:prstGeom prst="rect">
+            <a:avLst/>
+          </a:prstGeom>
+          <a:solidFill>
+            <a:schemeClr val="bg1">
+              <a:lumMod val="95000"/>
+            </a:schemeClr>
+          </a:solidFill>
+          <a:ln>
+            <a:solidFill>
+              <a:schemeClr val="tx1"/>
+            </a:solidFill>
+          </a:ln>
+        </p:spPr>
+        <p:style>
+          <a:lnRef idx="2">
+            <a:schemeClr val="accent1">
+              <a:shade val="50000"/>
+            </a:schemeClr>
+          </a:lnRef>
+          <a:fillRef idx="1">
+            <a:schemeClr val="accent1"/>
+          </a:fillRef>
+          <a:effectRef idx="0">
+            <a:schemeClr val="accent1"/>
+          </a:effectRef>
+          <a:fontRef idx="minor">
+            <a:schemeClr val="lt1"/>
+          </a:fontRef>
+        </p:style>
+        <p:txBody>
+          <a:bodyPr rtlCol="0" anchor="ctr"/>
+          <a:lstStyle/>
+          <a:p>
+            <a:pPr algn="ctr"/>
+            <a:endParaRPr lang="ru-RU" dirty="0">
+              <a:solidFill>
+                <a:schemeClr val="tx1"/>
+              </a:solidFill>
+            </a:endParaRPr>
+          </a:p>
+        </p:txBody>
+      </p:sp>
+      <p:cxnSp>
+        <p:nvCxnSpPr>
+          <p:cNvPr id="171" name="Прямая соединительная линия 170">
+            <a:extLst>
+              <a:ext uri="{FF2B5EF4-FFF2-40B4-BE49-F238E27FC236}">
+                <a16:creationId xmlns:a16="http://schemas.microsoft.com/office/drawing/2014/main" id="{C92110CC-27EC-51C9-F102-94529E5AEB89}"/>
+              </a:ext>
+            </a:extLst>
+          </p:cNvPr>
+          <p:cNvCxnSpPr>
+            <a:cxnSpLocks/>
+          </p:cNvCxnSpPr>
+          <p:nvPr/>
+        </p:nvCxnSpPr>
+        <p:spPr>
+          <a:xfrm flipH="1">
+            <a:off x="6393191" y="1447496"/>
+            <a:ext cx="969238" cy="0"/>
+          </a:xfrm>
+          <a:prstGeom prst="line">
+            <a:avLst/>
+          </a:prstGeom>
+          <a:ln>
+            <a:solidFill>
+              <a:schemeClr val="tx1"/>
+            </a:solidFill>
+          </a:ln>
+        </p:spPr>
+        <p:style>
+          <a:lnRef idx="1">
+            <a:schemeClr val="accent1"/>
+          </a:lnRef>
+          <a:fillRef idx="0">
+            <a:schemeClr val="accent1"/>
+          </a:fillRef>
+          <a:effectRef idx="0">
+            <a:schemeClr val="accent1"/>
+          </a:effectRef>
+          <a:fontRef idx="minor">
+            <a:schemeClr val="tx1"/>
+          </a:fontRef>
+        </p:style>
+      </p:cxnSp>
+      <p:cxnSp>
+        <p:nvCxnSpPr>
+          <p:cNvPr id="172" name="Прямая соединительная линия 171">
+            <a:extLst>
+              <a:ext uri="{FF2B5EF4-FFF2-40B4-BE49-F238E27FC236}">
+                <a16:creationId xmlns:a16="http://schemas.microsoft.com/office/drawing/2014/main" id="{09E30222-7FDB-CE3E-EE3A-81871043FA7F}"/>
+              </a:ext>
+            </a:extLst>
+          </p:cNvPr>
+          <p:cNvCxnSpPr>
+            <a:cxnSpLocks/>
+          </p:cNvCxnSpPr>
+          <p:nvPr/>
+        </p:nvCxnSpPr>
+        <p:spPr>
+          <a:xfrm>
+            <a:off x="6393190" y="1296147"/>
+            <a:ext cx="0" cy="151349"/>
+          </a:xfrm>
+          <a:prstGeom prst="line">
+            <a:avLst/>
+          </a:prstGeom>
+          <a:ln>
+            <a:solidFill>
+              <a:schemeClr val="tx1"/>
+            </a:solidFill>
+          </a:ln>
+        </p:spPr>
+        <p:style>
+          <a:lnRef idx="1">
+            <a:schemeClr val="accent1"/>
+          </a:lnRef>
+          <a:fillRef idx="0">
+            <a:schemeClr val="accent1"/>
+          </a:fillRef>
+          <a:effectRef idx="0">
+            <a:schemeClr val="accent1"/>
+          </a:effectRef>
+          <a:fontRef idx="minor">
+            <a:schemeClr val="tx1"/>
+          </a:fontRef>
+        </p:style>
+      </p:cxnSp>
+      <p:cxnSp>
+        <p:nvCxnSpPr>
+          <p:cNvPr id="176" name="Прямая соединительная линия 175">
+            <a:extLst>
+              <a:ext uri="{FF2B5EF4-FFF2-40B4-BE49-F238E27FC236}">
+                <a16:creationId xmlns:a16="http://schemas.microsoft.com/office/drawing/2014/main" id="{B9D86D8A-6B0E-9776-B8BA-75D36CFD6B9D}"/>
+              </a:ext>
+            </a:extLst>
+          </p:cNvPr>
+          <p:cNvCxnSpPr>
+            <a:cxnSpLocks/>
+          </p:cNvCxnSpPr>
+          <p:nvPr/>
+        </p:nvCxnSpPr>
+        <p:spPr>
+          <a:xfrm>
+            <a:off x="5863905" y="1293572"/>
+            <a:ext cx="0" cy="153924"/>
+          </a:xfrm>
+          <a:prstGeom prst="line">
+            <a:avLst/>
+          </a:prstGeom>
+          <a:ln>
+            <a:solidFill>
+              <a:schemeClr val="tx1"/>
+            </a:solidFill>
+          </a:ln>
         </p:spPr>
         <p:style>
           <a:lnRef idx="1">
